--- a/journalWallFriction/pictures/pdf/anypolygon1.pptx
+++ b/journalWallFriction/pictures/pdf/anypolygon1.pptx
@@ -154,7 +154,7 @@
           </a:lstStyle>
           <a:p>
             <a:r>
-              <a:rPr lang="en-US" smtClean="0"/>
+              <a:rPr lang="en-US"/>
               <a:t>Click to edit Master title style</a:t>
             </a:r>
             <a:endParaRPr lang="en-US" dirty="0"/>
@@ -219,7 +219,7 @@
           </a:lstStyle>
           <a:p>
             <a:r>
-              <a:rPr lang="en-US" smtClean="0"/>
+              <a:rPr lang="en-US"/>
               <a:t>Click to edit Master subtitle style</a:t>
             </a:r>
             <a:endParaRPr lang="en-US" dirty="0"/>
@@ -243,7 +243,7 @@
           <a:p>
             <a:fld id="{B3D1CF3D-C589-634F-8074-9A077527675E}" type="datetimeFigureOut">
               <a:rPr lang="en-US" smtClean="0"/>
-              <a:t>1/10/18</a:t>
+              <a:t>4/24/18</a:t>
             </a:fld>
             <a:endParaRPr lang="en-US"/>
           </a:p>
@@ -332,7 +332,7 @@
           <a:lstStyle/>
           <a:p>
             <a:r>
-              <a:rPr lang="en-US" smtClean="0"/>
+              <a:rPr lang="en-US"/>
               <a:t>Click to edit Master title style</a:t>
             </a:r>
             <a:endParaRPr lang="en-US" dirty="0"/>
@@ -356,35 +356,35 @@
           <a:p>
             <a:pPr lvl="0"/>
             <a:r>
-              <a:rPr lang="en-US" smtClean="0"/>
+              <a:rPr lang="en-US"/>
               <a:t>Click to edit Master text styles</a:t>
             </a:r>
           </a:p>
           <a:p>
             <a:pPr lvl="1"/>
             <a:r>
-              <a:rPr lang="en-US" smtClean="0"/>
+              <a:rPr lang="en-US"/>
               <a:t>Second level</a:t>
             </a:r>
           </a:p>
           <a:p>
             <a:pPr lvl="2"/>
             <a:r>
-              <a:rPr lang="en-US" smtClean="0"/>
+              <a:rPr lang="en-US"/>
               <a:t>Third level</a:t>
             </a:r>
           </a:p>
           <a:p>
             <a:pPr lvl="3"/>
             <a:r>
-              <a:rPr lang="en-US" smtClean="0"/>
+              <a:rPr lang="en-US"/>
               <a:t>Fourth level</a:t>
             </a:r>
           </a:p>
           <a:p>
             <a:pPr lvl="4"/>
             <a:r>
-              <a:rPr lang="en-US" smtClean="0"/>
+              <a:rPr lang="en-US"/>
               <a:t>Fifth level</a:t>
             </a:r>
             <a:endParaRPr lang="en-US" dirty="0"/>
@@ -408,7 +408,7 @@
           <a:p>
             <a:fld id="{B3D1CF3D-C589-634F-8074-9A077527675E}" type="datetimeFigureOut">
               <a:rPr lang="en-US" smtClean="0"/>
-              <a:t>1/10/18</a:t>
+              <a:t>4/24/18</a:t>
             </a:fld>
             <a:endParaRPr lang="en-US"/>
           </a:p>
@@ -502,7 +502,7 @@
           <a:lstStyle/>
           <a:p>
             <a:r>
-              <a:rPr lang="en-US" smtClean="0"/>
+              <a:rPr lang="en-US"/>
               <a:t>Click to edit Master title style</a:t>
             </a:r>
             <a:endParaRPr lang="en-US" dirty="0"/>
@@ -531,35 +531,35 @@
           <a:p>
             <a:pPr lvl="0"/>
             <a:r>
-              <a:rPr lang="en-US" smtClean="0"/>
+              <a:rPr lang="en-US"/>
               <a:t>Click to edit Master text styles</a:t>
             </a:r>
           </a:p>
           <a:p>
             <a:pPr lvl="1"/>
             <a:r>
-              <a:rPr lang="en-US" smtClean="0"/>
+              <a:rPr lang="en-US"/>
               <a:t>Second level</a:t>
             </a:r>
           </a:p>
           <a:p>
             <a:pPr lvl="2"/>
             <a:r>
-              <a:rPr lang="en-US" smtClean="0"/>
+              <a:rPr lang="en-US"/>
               <a:t>Third level</a:t>
             </a:r>
           </a:p>
           <a:p>
             <a:pPr lvl="3"/>
             <a:r>
-              <a:rPr lang="en-US" smtClean="0"/>
+              <a:rPr lang="en-US"/>
               <a:t>Fourth level</a:t>
             </a:r>
           </a:p>
           <a:p>
             <a:pPr lvl="4"/>
             <a:r>
-              <a:rPr lang="en-US" smtClean="0"/>
+              <a:rPr lang="en-US"/>
               <a:t>Fifth level</a:t>
             </a:r>
             <a:endParaRPr lang="en-US" dirty="0"/>
@@ -583,7 +583,7 @@
           <a:p>
             <a:fld id="{B3D1CF3D-C589-634F-8074-9A077527675E}" type="datetimeFigureOut">
               <a:rPr lang="en-US" smtClean="0"/>
-              <a:t>1/10/18</a:t>
+              <a:t>4/24/18</a:t>
             </a:fld>
             <a:endParaRPr lang="en-US"/>
           </a:p>
@@ -672,7 +672,7 @@
           <a:lstStyle/>
           <a:p>
             <a:r>
-              <a:rPr lang="en-US" smtClean="0"/>
+              <a:rPr lang="en-US"/>
               <a:t>Click to edit Master title style</a:t>
             </a:r>
             <a:endParaRPr lang="en-US" dirty="0"/>
@@ -696,35 +696,35 @@
           <a:p>
             <a:pPr lvl="0"/>
             <a:r>
-              <a:rPr lang="en-US" smtClean="0"/>
+              <a:rPr lang="en-US"/>
               <a:t>Click to edit Master text styles</a:t>
             </a:r>
           </a:p>
           <a:p>
             <a:pPr lvl="1"/>
             <a:r>
-              <a:rPr lang="en-US" smtClean="0"/>
+              <a:rPr lang="en-US"/>
               <a:t>Second level</a:t>
             </a:r>
           </a:p>
           <a:p>
             <a:pPr lvl="2"/>
             <a:r>
-              <a:rPr lang="en-US" smtClean="0"/>
+              <a:rPr lang="en-US"/>
               <a:t>Third level</a:t>
             </a:r>
           </a:p>
           <a:p>
             <a:pPr lvl="3"/>
             <a:r>
-              <a:rPr lang="en-US" smtClean="0"/>
+              <a:rPr lang="en-US"/>
               <a:t>Fourth level</a:t>
             </a:r>
           </a:p>
           <a:p>
             <a:pPr lvl="4"/>
             <a:r>
-              <a:rPr lang="en-US" smtClean="0"/>
+              <a:rPr lang="en-US"/>
               <a:t>Fifth level</a:t>
             </a:r>
             <a:endParaRPr lang="en-US" dirty="0"/>
@@ -748,7 +748,7 @@
           <a:p>
             <a:fld id="{B3D1CF3D-C589-634F-8074-9A077527675E}" type="datetimeFigureOut">
               <a:rPr lang="en-US" smtClean="0"/>
-              <a:t>1/10/18</a:t>
+              <a:t>4/24/18</a:t>
             </a:fld>
             <a:endParaRPr lang="en-US"/>
           </a:p>
@@ -846,7 +846,7 @@
           </a:lstStyle>
           <a:p>
             <a:r>
-              <a:rPr lang="en-US" smtClean="0"/>
+              <a:rPr lang="en-US"/>
               <a:t>Click to edit Master title style</a:t>
             </a:r>
             <a:endParaRPr lang="en-US" dirty="0"/>
@@ -964,7 +964,7 @@
           <a:p>
             <a:pPr lvl="0"/>
             <a:r>
-              <a:rPr lang="en-US" smtClean="0"/>
+              <a:rPr lang="en-US"/>
               <a:t>Click to edit Master text styles</a:t>
             </a:r>
           </a:p>
@@ -987,7 +987,7 @@
           <a:p>
             <a:fld id="{B3D1CF3D-C589-634F-8074-9A077527675E}" type="datetimeFigureOut">
               <a:rPr lang="en-US" smtClean="0"/>
-              <a:t>1/10/18</a:t>
+              <a:t>4/24/18</a:t>
             </a:fld>
             <a:endParaRPr lang="en-US"/>
           </a:p>
@@ -1076,7 +1076,7 @@
           <a:lstStyle/>
           <a:p>
             <a:r>
-              <a:rPr lang="en-US" smtClean="0"/>
+              <a:rPr lang="en-US"/>
               <a:t>Click to edit Master title style</a:t>
             </a:r>
             <a:endParaRPr lang="en-US" dirty="0"/>
@@ -1105,35 +1105,35 @@
           <a:p>
             <a:pPr lvl="0"/>
             <a:r>
-              <a:rPr lang="en-US" smtClean="0"/>
+              <a:rPr lang="en-US"/>
               <a:t>Click to edit Master text styles</a:t>
             </a:r>
           </a:p>
           <a:p>
             <a:pPr lvl="1"/>
             <a:r>
-              <a:rPr lang="en-US" smtClean="0"/>
+              <a:rPr lang="en-US"/>
               <a:t>Second level</a:t>
             </a:r>
           </a:p>
           <a:p>
             <a:pPr lvl="2"/>
             <a:r>
-              <a:rPr lang="en-US" smtClean="0"/>
+              <a:rPr lang="en-US"/>
               <a:t>Third level</a:t>
             </a:r>
           </a:p>
           <a:p>
             <a:pPr lvl="3"/>
             <a:r>
-              <a:rPr lang="en-US" smtClean="0"/>
+              <a:rPr lang="en-US"/>
               <a:t>Fourth level</a:t>
             </a:r>
           </a:p>
           <a:p>
             <a:pPr lvl="4"/>
             <a:r>
-              <a:rPr lang="en-US" smtClean="0"/>
+              <a:rPr lang="en-US"/>
               <a:t>Fifth level</a:t>
             </a:r>
             <a:endParaRPr lang="en-US" dirty="0"/>
@@ -1162,35 +1162,35 @@
           <a:p>
             <a:pPr lvl="0"/>
             <a:r>
-              <a:rPr lang="en-US" smtClean="0"/>
+              <a:rPr lang="en-US"/>
               <a:t>Click to edit Master text styles</a:t>
             </a:r>
           </a:p>
           <a:p>
             <a:pPr lvl="1"/>
             <a:r>
-              <a:rPr lang="en-US" smtClean="0"/>
+              <a:rPr lang="en-US"/>
               <a:t>Second level</a:t>
             </a:r>
           </a:p>
           <a:p>
             <a:pPr lvl="2"/>
             <a:r>
-              <a:rPr lang="en-US" smtClean="0"/>
+              <a:rPr lang="en-US"/>
               <a:t>Third level</a:t>
             </a:r>
           </a:p>
           <a:p>
             <a:pPr lvl="3"/>
             <a:r>
-              <a:rPr lang="en-US" smtClean="0"/>
+              <a:rPr lang="en-US"/>
               <a:t>Fourth level</a:t>
             </a:r>
           </a:p>
           <a:p>
             <a:pPr lvl="4"/>
             <a:r>
-              <a:rPr lang="en-US" smtClean="0"/>
+              <a:rPr lang="en-US"/>
               <a:t>Fifth level</a:t>
             </a:r>
             <a:endParaRPr lang="en-US" dirty="0"/>
@@ -1214,7 +1214,7 @@
           <a:p>
             <a:fld id="{B3D1CF3D-C589-634F-8074-9A077527675E}" type="datetimeFigureOut">
               <a:rPr lang="en-US" smtClean="0"/>
-              <a:t>1/10/18</a:t>
+              <a:t>4/24/18</a:t>
             </a:fld>
             <a:endParaRPr lang="en-US"/>
           </a:p>
@@ -1308,7 +1308,7 @@
           <a:lstStyle/>
           <a:p>
             <a:r>
-              <a:rPr lang="en-US" smtClean="0"/>
+              <a:rPr lang="en-US"/>
               <a:t>Click to edit Master title style</a:t>
             </a:r>
             <a:endParaRPr lang="en-US" dirty="0"/>
@@ -1374,7 +1374,7 @@
           <a:p>
             <a:pPr lvl="0"/>
             <a:r>
-              <a:rPr lang="en-US" smtClean="0"/>
+              <a:rPr lang="en-US"/>
               <a:t>Click to edit Master text styles</a:t>
             </a:r>
           </a:p>
@@ -1402,35 +1402,35 @@
           <a:p>
             <a:pPr lvl="0"/>
             <a:r>
-              <a:rPr lang="en-US" smtClean="0"/>
+              <a:rPr lang="en-US"/>
               <a:t>Click to edit Master text styles</a:t>
             </a:r>
           </a:p>
           <a:p>
             <a:pPr lvl="1"/>
             <a:r>
-              <a:rPr lang="en-US" smtClean="0"/>
+              <a:rPr lang="en-US"/>
               <a:t>Second level</a:t>
             </a:r>
           </a:p>
           <a:p>
             <a:pPr lvl="2"/>
             <a:r>
-              <a:rPr lang="en-US" smtClean="0"/>
+              <a:rPr lang="en-US"/>
               <a:t>Third level</a:t>
             </a:r>
           </a:p>
           <a:p>
             <a:pPr lvl="3"/>
             <a:r>
-              <a:rPr lang="en-US" smtClean="0"/>
+              <a:rPr lang="en-US"/>
               <a:t>Fourth level</a:t>
             </a:r>
           </a:p>
           <a:p>
             <a:pPr lvl="4"/>
             <a:r>
-              <a:rPr lang="en-US" smtClean="0"/>
+              <a:rPr lang="en-US"/>
               <a:t>Fifth level</a:t>
             </a:r>
             <a:endParaRPr lang="en-US" dirty="0"/>
@@ -1496,7 +1496,7 @@
           <a:p>
             <a:pPr lvl="0"/>
             <a:r>
-              <a:rPr lang="en-US" smtClean="0"/>
+              <a:rPr lang="en-US"/>
               <a:t>Click to edit Master text styles</a:t>
             </a:r>
           </a:p>
@@ -1524,35 +1524,35 @@
           <a:p>
             <a:pPr lvl="0"/>
             <a:r>
-              <a:rPr lang="en-US" smtClean="0"/>
+              <a:rPr lang="en-US"/>
               <a:t>Click to edit Master text styles</a:t>
             </a:r>
           </a:p>
           <a:p>
             <a:pPr lvl="1"/>
             <a:r>
-              <a:rPr lang="en-US" smtClean="0"/>
+              <a:rPr lang="en-US"/>
               <a:t>Second level</a:t>
             </a:r>
           </a:p>
           <a:p>
             <a:pPr lvl="2"/>
             <a:r>
-              <a:rPr lang="en-US" smtClean="0"/>
+              <a:rPr lang="en-US"/>
               <a:t>Third level</a:t>
             </a:r>
           </a:p>
           <a:p>
             <a:pPr lvl="3"/>
             <a:r>
-              <a:rPr lang="en-US" smtClean="0"/>
+              <a:rPr lang="en-US"/>
               <a:t>Fourth level</a:t>
             </a:r>
           </a:p>
           <a:p>
             <a:pPr lvl="4"/>
             <a:r>
-              <a:rPr lang="en-US" smtClean="0"/>
+              <a:rPr lang="en-US"/>
               <a:t>Fifth level</a:t>
             </a:r>
             <a:endParaRPr lang="en-US" dirty="0"/>
@@ -1576,7 +1576,7 @@
           <a:p>
             <a:fld id="{B3D1CF3D-C589-634F-8074-9A077527675E}" type="datetimeFigureOut">
               <a:rPr lang="en-US" smtClean="0"/>
-              <a:t>1/10/18</a:t>
+              <a:t>4/24/18</a:t>
             </a:fld>
             <a:endParaRPr lang="en-US"/>
           </a:p>
@@ -1665,7 +1665,7 @@
           <a:lstStyle/>
           <a:p>
             <a:r>
-              <a:rPr lang="en-US" smtClean="0"/>
+              <a:rPr lang="en-US"/>
               <a:t>Click to edit Master title style</a:t>
             </a:r>
             <a:endParaRPr lang="en-US" dirty="0"/>
@@ -1689,7 +1689,7 @@
           <a:p>
             <a:fld id="{B3D1CF3D-C589-634F-8074-9A077527675E}" type="datetimeFigureOut">
               <a:rPr lang="en-US" smtClean="0"/>
-              <a:t>1/10/18</a:t>
+              <a:t>4/24/18</a:t>
             </a:fld>
             <a:endParaRPr lang="en-US"/>
           </a:p>
@@ -1779,7 +1779,7 @@
           <a:p>
             <a:fld id="{B3D1CF3D-C589-634F-8074-9A077527675E}" type="datetimeFigureOut">
               <a:rPr lang="en-US" smtClean="0"/>
-              <a:t>1/10/18</a:t>
+              <a:t>4/24/18</a:t>
             </a:fld>
             <a:endParaRPr lang="en-US"/>
           </a:p>
@@ -1877,7 +1877,7 @@
           </a:lstStyle>
           <a:p>
             <a:r>
-              <a:rPr lang="en-US" smtClean="0"/>
+              <a:rPr lang="en-US"/>
               <a:t>Click to edit Master title style</a:t>
             </a:r>
             <a:endParaRPr lang="en-US" dirty="0"/>
@@ -1934,35 +1934,35 @@
           <a:p>
             <a:pPr lvl="0"/>
             <a:r>
-              <a:rPr lang="en-US" smtClean="0"/>
+              <a:rPr lang="en-US"/>
               <a:t>Click to edit Master text styles</a:t>
             </a:r>
           </a:p>
           <a:p>
             <a:pPr lvl="1"/>
             <a:r>
-              <a:rPr lang="en-US" smtClean="0"/>
+              <a:rPr lang="en-US"/>
               <a:t>Second level</a:t>
             </a:r>
           </a:p>
           <a:p>
             <a:pPr lvl="2"/>
             <a:r>
-              <a:rPr lang="en-US" smtClean="0"/>
+              <a:rPr lang="en-US"/>
               <a:t>Third level</a:t>
             </a:r>
           </a:p>
           <a:p>
             <a:pPr lvl="3"/>
             <a:r>
-              <a:rPr lang="en-US" smtClean="0"/>
+              <a:rPr lang="en-US"/>
               <a:t>Fourth level</a:t>
             </a:r>
           </a:p>
           <a:p>
             <a:pPr lvl="4"/>
             <a:r>
-              <a:rPr lang="en-US" smtClean="0"/>
+              <a:rPr lang="en-US"/>
               <a:t>Fifth level</a:t>
             </a:r>
             <a:endParaRPr lang="en-US" dirty="0"/>
@@ -2028,7 +2028,7 @@
           <a:p>
             <a:pPr lvl="0"/>
             <a:r>
-              <a:rPr lang="en-US" smtClean="0"/>
+              <a:rPr lang="en-US"/>
               <a:t>Click to edit Master text styles</a:t>
             </a:r>
           </a:p>
@@ -2051,7 +2051,7 @@
           <a:p>
             <a:fld id="{B3D1CF3D-C589-634F-8074-9A077527675E}" type="datetimeFigureOut">
               <a:rPr lang="en-US" smtClean="0"/>
-              <a:t>1/10/18</a:t>
+              <a:t>4/24/18</a:t>
             </a:fld>
             <a:endParaRPr lang="en-US"/>
           </a:p>
@@ -2149,7 +2149,7 @@
           </a:lstStyle>
           <a:p>
             <a:r>
-              <a:rPr lang="en-US" smtClean="0"/>
+              <a:rPr lang="en-US"/>
               <a:t>Click to edit Master title style</a:t>
             </a:r>
             <a:endParaRPr lang="en-US" dirty="0"/>
@@ -2214,7 +2214,7 @@
           </a:lstStyle>
           <a:p>
             <a:r>
-              <a:rPr lang="en-US" smtClean="0"/>
+              <a:rPr lang="en-US"/>
               <a:t>Drag picture to placeholder or click icon to add</a:t>
             </a:r>
             <a:endParaRPr lang="en-US" dirty="0"/>
@@ -2280,7 +2280,7 @@
           <a:p>
             <a:pPr lvl="0"/>
             <a:r>
-              <a:rPr lang="en-US" smtClean="0"/>
+              <a:rPr lang="en-US"/>
               <a:t>Click to edit Master text styles</a:t>
             </a:r>
           </a:p>
@@ -2303,7 +2303,7 @@
           <a:p>
             <a:fld id="{B3D1CF3D-C589-634F-8074-9A077527675E}" type="datetimeFigureOut">
               <a:rPr lang="en-US" smtClean="0"/>
-              <a:t>1/10/18</a:t>
+              <a:t>4/24/18</a:t>
             </a:fld>
             <a:endParaRPr lang="en-US"/>
           </a:p>
@@ -2407,7 +2407,7 @@
           <a:lstStyle/>
           <a:p>
             <a:r>
-              <a:rPr lang="en-US" smtClean="0"/>
+              <a:rPr lang="en-US"/>
               <a:t>Click to edit Master title style</a:t>
             </a:r>
             <a:endParaRPr lang="en-US" dirty="0"/>
@@ -2441,35 +2441,35 @@
           <a:p>
             <a:pPr lvl="0"/>
             <a:r>
-              <a:rPr lang="en-US" smtClean="0"/>
+              <a:rPr lang="en-US"/>
               <a:t>Click to edit Master text styles</a:t>
             </a:r>
           </a:p>
           <a:p>
             <a:pPr lvl="1"/>
             <a:r>
-              <a:rPr lang="en-US" smtClean="0"/>
+              <a:rPr lang="en-US"/>
               <a:t>Second level</a:t>
             </a:r>
           </a:p>
           <a:p>
             <a:pPr lvl="2"/>
             <a:r>
-              <a:rPr lang="en-US" smtClean="0"/>
+              <a:rPr lang="en-US"/>
               <a:t>Third level</a:t>
             </a:r>
           </a:p>
           <a:p>
             <a:pPr lvl="3"/>
             <a:r>
-              <a:rPr lang="en-US" smtClean="0"/>
+              <a:rPr lang="en-US"/>
               <a:t>Fourth level</a:t>
             </a:r>
           </a:p>
           <a:p>
             <a:pPr lvl="4"/>
             <a:r>
-              <a:rPr lang="en-US" smtClean="0"/>
+              <a:rPr lang="en-US"/>
               <a:t>Fifth level</a:t>
             </a:r>
             <a:endParaRPr lang="en-US" dirty="0"/>
@@ -2511,7 +2511,7 @@
           <a:p>
             <a:fld id="{B3D1CF3D-C589-634F-8074-9A077527675E}" type="datetimeFigureOut">
               <a:rPr lang="en-US" smtClean="0"/>
-              <a:t>1/10/18</a:t>
+              <a:t>4/24/18</a:t>
             </a:fld>
             <a:endParaRPr lang="en-US"/>
           </a:p>
@@ -2919,13 +2919,15 @@
       <p:cxnSp>
         <p:nvCxnSpPr>
           <p:cNvPr id="118" name="Straight Connector 117"/>
-          <p:cNvCxnSpPr/>
+          <p:cNvCxnSpPr>
+            <a:cxnSpLocks/>
+          </p:cNvCxnSpPr>
           <p:nvPr/>
         </p:nvCxnSpPr>
         <p:spPr>
           <a:xfrm>
-            <a:off x="2195295" y="3950284"/>
-            <a:ext cx="1391055" cy="9727"/>
+            <a:off x="2081719" y="3960011"/>
+            <a:ext cx="1504631" cy="0"/>
           </a:xfrm>
           <a:prstGeom prst="line">
             <a:avLst/>
@@ -3071,13 +3073,15 @@
       <p:cxnSp>
         <p:nvCxnSpPr>
           <p:cNvPr id="122" name="Straight Connector 121"/>
-          <p:cNvCxnSpPr/>
+          <p:cNvCxnSpPr>
+            <a:cxnSpLocks/>
+          </p:cNvCxnSpPr>
           <p:nvPr/>
         </p:nvCxnSpPr>
         <p:spPr>
           <a:xfrm>
-            <a:off x="2328241" y="805012"/>
-            <a:ext cx="1452662" cy="3238"/>
+            <a:off x="2209518" y="799019"/>
+            <a:ext cx="1571385" cy="9231"/>
           </a:xfrm>
           <a:prstGeom prst="line">
             <a:avLst/>
@@ -3180,82 +3184,6 @@
           </a:fontRef>
         </p:style>
       </p:cxnSp>
-      <p:sp>
-        <p:nvSpPr>
-          <p:cNvPr id="125" name="TextBox 124"/>
-          <p:cNvSpPr txBox="1"/>
-          <p:nvPr/>
-        </p:nvSpPr>
-        <p:spPr>
-          <a:xfrm>
-            <a:off x="5004778" y="2892278"/>
-            <a:ext cx="280481" cy="369332"/>
-          </a:xfrm>
-          <a:prstGeom prst="rect">
-            <a:avLst/>
-          </a:prstGeom>
-          <a:noFill/>
-        </p:spPr>
-        <p:txBody>
-          <a:bodyPr wrap="square" rtlCol="0">
-            <a:spAutoFit/>
-          </a:bodyPr>
-          <a:lstStyle/>
-          <a:p>
-            <a:r>
-              <a:rPr lang="en-US" sz="1800" dirty="0" smtClean="0">
-                <a:latin typeface="Times" charset="0"/>
-                <a:ea typeface="Times" charset="0"/>
-                <a:cs typeface="Times" charset="0"/>
-              </a:rPr>
-              <a:t>1</a:t>
-            </a:r>
-            <a:endParaRPr lang="en-US" sz="1800" dirty="0">
-              <a:latin typeface="Times" charset="0"/>
-              <a:ea typeface="Times" charset="0"/>
-              <a:cs typeface="Times" charset="0"/>
-            </a:endParaRPr>
-          </a:p>
-        </p:txBody>
-      </p:sp>
-      <p:sp>
-        <p:nvSpPr>
-          <p:cNvPr id="126" name="TextBox 125"/>
-          <p:cNvSpPr txBox="1"/>
-          <p:nvPr/>
-        </p:nvSpPr>
-        <p:spPr>
-          <a:xfrm>
-            <a:off x="5126705" y="2332461"/>
-            <a:ext cx="455579" cy="369332"/>
-          </a:xfrm>
-          <a:prstGeom prst="rect">
-            <a:avLst/>
-          </a:prstGeom>
-          <a:noFill/>
-        </p:spPr>
-        <p:txBody>
-          <a:bodyPr wrap="square" rtlCol="0">
-            <a:spAutoFit/>
-          </a:bodyPr>
-          <a:lstStyle/>
-          <a:p>
-            <a:r>
-              <a:rPr lang="en-US" sz="1800" dirty="0" smtClean="0">
-                <a:latin typeface="Times" charset="0"/>
-                <a:ea typeface="Times" charset="0"/>
-                <a:cs typeface="Times" charset="0"/>
-              </a:rPr>
-              <a:t>2</a:t>
-            </a:r>
-            <a:endParaRPr lang="en-US" sz="1800" dirty="0">
-              <a:latin typeface="Times" charset="0"/>
-              <a:ea typeface="Times" charset="0"/>
-              <a:cs typeface="Times" charset="0"/>
-            </a:endParaRPr>
-          </a:p>
-        </p:txBody>
-      </p:sp>
       <p:cxnSp>
         <p:nvCxnSpPr>
           <p:cNvPr id="127" name="Straight Connector 126"/>
@@ -3302,7 +3230,7 @@
         </p:nvSpPr>
         <p:spPr>
           <a:xfrm>
-            <a:off x="293391" y="1365159"/>
+            <a:off x="178704" y="1353684"/>
             <a:ext cx="455579" cy="369332"/>
           </a:xfrm>
           <a:prstGeom prst="rect">
@@ -3322,6 +3250,14 @@
                 <a:ea typeface="Times" charset="0"/>
                 <a:cs typeface="Times" charset="0"/>
               </a:rPr>
+              <a:t>p</a:t>
+            </a:r>
+            <a:r>
+              <a:rPr lang="en-US" sz="1800" i="1" baseline="-25000" dirty="0">
+                <a:latin typeface="Times" charset="0"/>
+                <a:ea typeface="Times" charset="0"/>
+                <a:cs typeface="Times" charset="0"/>
+              </a:rPr>
               <a:t>i</a:t>
             </a:r>
           </a:p>
@@ -3335,7 +3271,7 @@
         </p:nvSpPr>
         <p:spPr>
           <a:xfrm>
-            <a:off x="46239" y="2100728"/>
+            <a:off x="29428" y="2132466"/>
             <a:ext cx="595009" cy="369332"/>
           </a:xfrm>
           <a:prstGeom prst="rect">
@@ -3350,50 +3286,20 @@
           <a:lstStyle/>
           <a:p>
             <a:r>
-              <a:rPr lang="en-US" sz="1800" i="1" dirty="0" smtClean="0">
+              <a:rPr lang="en-US" sz="1800" i="1" dirty="0">
+                <a:latin typeface="Times" charset="0"/>
+                <a:ea typeface="Times" charset="0"/>
+                <a:cs typeface="Times" charset="0"/>
+              </a:rPr>
+              <a:t>p</a:t>
+            </a:r>
+            <a:r>
+              <a:rPr lang="en-US" sz="1800" i="1" baseline="-25000" dirty="0">
                 <a:latin typeface="Times" charset="0"/>
                 <a:ea typeface="Times" charset="0"/>
                 <a:cs typeface="Times" charset="0"/>
               </a:rPr>
               <a:t>i+1</a:t>
-            </a:r>
-            <a:endParaRPr lang="en-US" sz="1800" i="1" dirty="0">
-              <a:latin typeface="Times" charset="0"/>
-              <a:ea typeface="Times" charset="0"/>
-              <a:cs typeface="Times" charset="0"/>
-            </a:endParaRPr>
-          </a:p>
-        </p:txBody>
-      </p:sp>
-      <p:sp>
-        <p:nvSpPr>
-          <p:cNvPr id="130" name="TextBox 129"/>
-          <p:cNvSpPr txBox="1"/>
-          <p:nvPr/>
-        </p:nvSpPr>
-        <p:spPr>
-          <a:xfrm>
-            <a:off x="3895295" y="3765618"/>
-            <a:ext cx="595009" cy="369332"/>
-          </a:xfrm>
-          <a:prstGeom prst="rect">
-            <a:avLst/>
-          </a:prstGeom>
-          <a:noFill/>
-        </p:spPr>
-        <p:txBody>
-          <a:bodyPr wrap="square" rtlCol="0">
-            <a:spAutoFit/>
-          </a:bodyPr>
-          <a:lstStyle/>
-          <a:p>
-            <a:r>
-              <a:rPr lang="en-US" sz="1800" i="1" dirty="0">
-                <a:latin typeface="Times" charset="0"/>
-                <a:ea typeface="Times" charset="0"/>
-                <a:cs typeface="Times" charset="0"/>
-              </a:rPr>
-              <a:t>n</a:t>
             </a:r>
           </a:p>
         </p:txBody>
@@ -3767,7 +3673,301 @@
           <a:lstStyle/>
           <a:p>
             <a:r>
-              <a:rPr lang="en-US" sz="1800" i="1" dirty="0" smtClean="0">
+              <a:rPr lang="en-US" sz="1800" i="1" dirty="0" err="1">
+                <a:latin typeface="Times" charset="0"/>
+                <a:ea typeface="Times" charset="0"/>
+                <a:cs typeface="Times" charset="0"/>
+              </a:rPr>
+              <a:t>p'</a:t>
+            </a:r>
+            <a:r>
+              <a:rPr lang="en-US" sz="1800" i="1" baseline="-25000" dirty="0" err="1">
+                <a:latin typeface="Times" charset="0"/>
+                <a:ea typeface="Times" charset="0"/>
+                <a:cs typeface="Times" charset="0"/>
+              </a:rPr>
+              <a:t>i</a:t>
+            </a:r>
+            <a:endParaRPr lang="en-US" sz="1800" i="1" dirty="0">
+              <a:latin typeface="Times" charset="0"/>
+              <a:ea typeface="Times" charset="0"/>
+              <a:cs typeface="Times" charset="0"/>
+            </a:endParaRPr>
+          </a:p>
+        </p:txBody>
+      </p:sp>
+      <p:sp>
+        <p:nvSpPr>
+          <p:cNvPr id="141" name="TextBox 140"/>
+          <p:cNvSpPr txBox="1"/>
+          <p:nvPr/>
+        </p:nvSpPr>
+        <p:spPr>
+          <a:xfrm>
+            <a:off x="1978406" y="1463526"/>
+            <a:ext cx="643549" cy="369332"/>
+          </a:xfrm>
+          <a:prstGeom prst="rect">
+            <a:avLst/>
+          </a:prstGeom>
+          <a:noFill/>
+        </p:spPr>
+        <p:txBody>
+          <a:bodyPr wrap="square" rtlCol="0">
+            <a:spAutoFit/>
+          </a:bodyPr>
+          <a:lstStyle/>
+          <a:p>
+            <a:r>
+              <a:rPr lang="en-US" sz="1800" i="1" dirty="0">
+                <a:latin typeface="Times" charset="0"/>
+                <a:ea typeface="Times" charset="0"/>
+                <a:cs typeface="Times" charset="0"/>
+              </a:rPr>
+              <a:t>p'</a:t>
+            </a:r>
+            <a:r>
+              <a:rPr lang="en-US" sz="1800" i="1" baseline="-25000" dirty="0">
+                <a:latin typeface="Times" charset="0"/>
+                <a:ea typeface="Times" charset="0"/>
+                <a:cs typeface="Times" charset="0"/>
+              </a:rPr>
+              <a:t>i+1</a:t>
+            </a:r>
+            <a:endParaRPr lang="en-US" sz="1800" i="1" dirty="0">
+              <a:latin typeface="Times" charset="0"/>
+              <a:ea typeface="Times" charset="0"/>
+              <a:cs typeface="Times" charset="0"/>
+            </a:endParaRPr>
+          </a:p>
+        </p:txBody>
+      </p:sp>
+      <p:sp>
+        <p:nvSpPr>
+          <p:cNvPr id="142" name="TextBox 141"/>
+          <p:cNvSpPr txBox="1"/>
+          <p:nvPr/>
+        </p:nvSpPr>
+        <p:spPr>
+          <a:xfrm>
+            <a:off x="2437766" y="438725"/>
+            <a:ext cx="455579" cy="369332"/>
+          </a:xfrm>
+          <a:prstGeom prst="rect">
+            <a:avLst/>
+          </a:prstGeom>
+          <a:noFill/>
+        </p:spPr>
+        <p:txBody>
+          <a:bodyPr wrap="square" rtlCol="0">
+            <a:spAutoFit/>
+          </a:bodyPr>
+          <a:lstStyle/>
+          <a:p>
+            <a:r>
+              <a:rPr lang="en-US" sz="1800" i="1" dirty="0">
+                <a:latin typeface="Times" charset="0"/>
+                <a:ea typeface="Times" charset="0"/>
+                <a:cs typeface="Times" charset="0"/>
+              </a:rPr>
+              <a:t>l</a:t>
+            </a:r>
+            <a:r>
+              <a:rPr lang="en-US" sz="1800" i="1" baseline="-25000" dirty="0">
+                <a:latin typeface="Times" charset="0"/>
+                <a:ea typeface="Times" charset="0"/>
+                <a:cs typeface="Times" charset="0"/>
+              </a:rPr>
+              <a:t>i</a:t>
+            </a:r>
+            <a:endParaRPr lang="en-US" sz="1800" i="1" dirty="0">
+              <a:latin typeface="Times" charset="0"/>
+              <a:ea typeface="Times" charset="0"/>
+              <a:cs typeface="Times" charset="0"/>
+            </a:endParaRPr>
+          </a:p>
+        </p:txBody>
+      </p:sp>
+      <p:sp>
+        <p:nvSpPr>
+          <p:cNvPr id="143" name="TextBox 142"/>
+          <p:cNvSpPr txBox="1"/>
+          <p:nvPr/>
+        </p:nvSpPr>
+        <p:spPr>
+          <a:xfrm>
+            <a:off x="2399845" y="3592028"/>
+            <a:ext cx="642092" cy="369332"/>
+          </a:xfrm>
+          <a:prstGeom prst="rect">
+            <a:avLst/>
+          </a:prstGeom>
+          <a:noFill/>
+        </p:spPr>
+        <p:txBody>
+          <a:bodyPr wrap="square" rtlCol="0">
+            <a:spAutoFit/>
+          </a:bodyPr>
+          <a:lstStyle/>
+          <a:p>
+            <a:r>
+              <a:rPr lang="en-US" sz="1800" i="1" dirty="0">
+                <a:latin typeface="Times" charset="0"/>
+                <a:ea typeface="Times" charset="0"/>
+                <a:cs typeface="Times" charset="0"/>
+              </a:rPr>
+              <a:t>l</a:t>
+            </a:r>
+            <a:r>
+              <a:rPr lang="en-US" sz="1800" i="1" baseline="-25000" dirty="0">
+                <a:latin typeface="Times" charset="0"/>
+                <a:ea typeface="Times" charset="0"/>
+                <a:cs typeface="Times" charset="0"/>
+              </a:rPr>
+              <a:t>i+1</a:t>
+            </a:r>
+            <a:endParaRPr lang="en-US" sz="1800" i="1" dirty="0">
+              <a:latin typeface="Times" charset="0"/>
+              <a:ea typeface="Times" charset="0"/>
+              <a:cs typeface="Times" charset="0"/>
+            </a:endParaRPr>
+          </a:p>
+        </p:txBody>
+      </p:sp>
+      <p:sp>
+        <p:nvSpPr>
+          <p:cNvPr id="30" name="TextBox 29">
+            <a:extLst>
+              <a:ext uri="{FF2B5EF4-FFF2-40B4-BE49-F238E27FC236}">
+                <a16:creationId xmlns:a16="http://schemas.microsoft.com/office/drawing/2014/main" id="{C9D84144-C2F9-9D45-B717-BFD5C67F15CB}"/>
+              </a:ext>
+            </a:extLst>
+          </p:cNvPr>
+          <p:cNvSpPr txBox="1"/>
+          <p:nvPr/>
+        </p:nvSpPr>
+        <p:spPr>
+          <a:xfrm>
+            <a:off x="1857270" y="439592"/>
+            <a:ext cx="531559" cy="369332"/>
+          </a:xfrm>
+          <a:prstGeom prst="rect">
+            <a:avLst/>
+          </a:prstGeom>
+          <a:noFill/>
+        </p:spPr>
+        <p:txBody>
+          <a:bodyPr wrap="square" rtlCol="0">
+            <a:spAutoFit/>
+          </a:bodyPr>
+          <a:lstStyle/>
+          <a:p>
+            <a:r>
+              <a:rPr lang="en-US" sz="1800" i="1" dirty="0" err="1">
+                <a:latin typeface="Times" charset="0"/>
+                <a:ea typeface="Times" charset="0"/>
+                <a:cs typeface="Times" charset="0"/>
+              </a:rPr>
+              <a:t>v</a:t>
+            </a:r>
+            <a:r>
+              <a:rPr lang="en-US" sz="1800" baseline="-25000" dirty="0" err="1">
+                <a:latin typeface="Times" charset="0"/>
+                <a:ea typeface="Times" charset="0"/>
+                <a:cs typeface="Times" charset="0"/>
+              </a:rPr>
+              <a:t>min</a:t>
+            </a:r>
+            <a:endParaRPr lang="en-US" sz="1800" dirty="0">
+              <a:latin typeface="Times" charset="0"/>
+              <a:ea typeface="Times" charset="0"/>
+              <a:cs typeface="Times" charset="0"/>
+            </a:endParaRPr>
+          </a:p>
+        </p:txBody>
+      </p:sp>
+      <p:sp>
+        <p:nvSpPr>
+          <p:cNvPr id="33" name="TextBox 32">
+            <a:extLst>
+              <a:ext uri="{FF2B5EF4-FFF2-40B4-BE49-F238E27FC236}">
+                <a16:creationId xmlns:a16="http://schemas.microsoft.com/office/drawing/2014/main" id="{2BD389E3-089A-3E49-9DCD-820CFC5A2C2E}"/>
+              </a:ext>
+            </a:extLst>
+          </p:cNvPr>
+          <p:cNvSpPr txBox="1"/>
+          <p:nvPr/>
+        </p:nvSpPr>
+        <p:spPr>
+          <a:xfrm>
+            <a:off x="1645604" y="3875865"/>
+            <a:ext cx="612502" cy="369332"/>
+          </a:xfrm>
+          <a:prstGeom prst="rect">
+            <a:avLst/>
+          </a:prstGeom>
+          <a:noFill/>
+        </p:spPr>
+        <p:txBody>
+          <a:bodyPr wrap="square" rtlCol="0">
+            <a:spAutoFit/>
+          </a:bodyPr>
+          <a:lstStyle/>
+          <a:p>
+            <a:r>
+              <a:rPr lang="en-US" sz="1800" i="1" dirty="0" err="1">
+                <a:latin typeface="Times" charset="0"/>
+                <a:ea typeface="Times" charset="0"/>
+                <a:cs typeface="Times" charset="0"/>
+              </a:rPr>
+              <a:t>v</a:t>
+            </a:r>
+            <a:r>
+              <a:rPr lang="en-US" sz="1800" baseline="-25000" dirty="0" err="1">
+                <a:latin typeface="Times" charset="0"/>
+                <a:ea typeface="Times" charset="0"/>
+                <a:cs typeface="Times" charset="0"/>
+              </a:rPr>
+              <a:t>max</a:t>
+            </a:r>
+            <a:endParaRPr lang="en-US" sz="1800" dirty="0">
+              <a:latin typeface="Times" charset="0"/>
+              <a:ea typeface="Times" charset="0"/>
+              <a:cs typeface="Times" charset="0"/>
+            </a:endParaRPr>
+          </a:p>
+        </p:txBody>
+      </p:sp>
+      <p:sp>
+        <p:nvSpPr>
+          <p:cNvPr id="34" name="TextBox 33">
+            <a:extLst>
+              <a:ext uri="{FF2B5EF4-FFF2-40B4-BE49-F238E27FC236}">
+                <a16:creationId xmlns:a16="http://schemas.microsoft.com/office/drawing/2014/main" id="{CC97AAF0-6D4D-9740-963D-EC02CFCFA5BE}"/>
+              </a:ext>
+            </a:extLst>
+          </p:cNvPr>
+          <p:cNvSpPr txBox="1"/>
+          <p:nvPr/>
+        </p:nvSpPr>
+        <p:spPr>
+          <a:xfrm>
+            <a:off x="3893360" y="3775345"/>
+            <a:ext cx="595009" cy="369332"/>
+          </a:xfrm>
+          <a:prstGeom prst="rect">
+            <a:avLst/>
+          </a:prstGeom>
+          <a:noFill/>
+        </p:spPr>
+        <p:txBody>
+          <a:bodyPr wrap="square" rtlCol="0">
+            <a:spAutoFit/>
+          </a:bodyPr>
+          <a:lstStyle/>
+          <a:p>
+            <a:r>
+              <a:rPr lang="en-US" sz="1800" i="1" dirty="0" err="1">
                 <a:latin typeface="Times" charset="0"/>
                 <a:ea typeface="Times" charset="0"/>
                 <a:cs typeface="Times" charset="0"/>
@@ -3775,14 +3975,14 @@
               <a:t>p</a:t>
             </a:r>
             <a:r>
-              <a:rPr lang="en-US" sz="1800" i="1" baseline="-25000" dirty="0" smtClean="0">
+              <a:rPr lang="en-US" sz="1800" i="1" baseline="-25000" dirty="0" err="1">
                 <a:latin typeface="Times" charset="0"/>
                 <a:ea typeface="Times" charset="0"/>
                 <a:cs typeface="Times" charset="0"/>
               </a:rPr>
-              <a:t>i</a:t>
-            </a:r>
-            <a:endParaRPr lang="en-US" sz="1800" i="1" dirty="0">
+              <a:t>n</a:t>
+            </a:r>
+            <a:endParaRPr lang="en-US" sz="1800" i="1" baseline="-25000" dirty="0">
               <a:latin typeface="Times" charset="0"/>
               <a:ea typeface="Times" charset="0"/>
               <a:cs typeface="Times" charset="0"/>
@@ -3792,14 +3992,20 @@
       </p:sp>
       <p:sp>
         <p:nvSpPr>
-          <p:cNvPr id="141" name="TextBox 140"/>
+          <p:cNvPr id="35" name="TextBox 34">
+            <a:extLst>
+              <a:ext uri="{FF2B5EF4-FFF2-40B4-BE49-F238E27FC236}">
+                <a16:creationId xmlns:a16="http://schemas.microsoft.com/office/drawing/2014/main" id="{370AD1B6-9F36-FB4D-BB64-9BECC6213202}"/>
+              </a:ext>
+            </a:extLst>
+          </p:cNvPr>
           <p:cNvSpPr txBox="1"/>
           <p:nvPr/>
         </p:nvSpPr>
         <p:spPr>
           <a:xfrm>
-            <a:off x="1978406" y="1463526"/>
-            <a:ext cx="643549" cy="369332"/>
+            <a:off x="5126705" y="2332461"/>
+            <a:ext cx="455579" cy="369332"/>
           </a:xfrm>
           <a:prstGeom prst="rect">
             <a:avLst/>
@@ -3821,31 +4027,32 @@
               <a:t>p</a:t>
             </a:r>
             <a:r>
-              <a:rPr lang="en-US" sz="1800" i="1" baseline="-25000" dirty="0" smtClean="0">
+              <a:rPr lang="en-US" sz="1800" i="1" baseline="-25000" dirty="0">
                 <a:latin typeface="Times" charset="0"/>
                 <a:ea typeface="Times" charset="0"/>
                 <a:cs typeface="Times" charset="0"/>
               </a:rPr>
-              <a:t>i+1</a:t>
-            </a:r>
-            <a:endParaRPr lang="en-US" sz="1800" i="1" dirty="0">
-              <a:latin typeface="Times" charset="0"/>
-              <a:ea typeface="Times" charset="0"/>
-              <a:cs typeface="Times" charset="0"/>
-            </a:endParaRPr>
-          </a:p>
-        </p:txBody>
-      </p:sp>
-      <p:sp>
-        <p:nvSpPr>
-          <p:cNvPr id="142" name="TextBox 141"/>
+              <a:t>2</a:t>
+            </a:r>
+          </a:p>
+        </p:txBody>
+      </p:sp>
+      <p:sp>
+        <p:nvSpPr>
+          <p:cNvPr id="36" name="TextBox 35">
+            <a:extLst>
+              <a:ext uri="{FF2B5EF4-FFF2-40B4-BE49-F238E27FC236}">
+                <a16:creationId xmlns:a16="http://schemas.microsoft.com/office/drawing/2014/main" id="{522E1B7C-F188-4C4A-9F35-C35FCC3D4425}"/>
+              </a:ext>
+            </a:extLst>
+          </p:cNvPr>
           <p:cNvSpPr txBox="1"/>
           <p:nvPr/>
         </p:nvSpPr>
         <p:spPr>
           <a:xfrm>
-            <a:off x="2437766" y="438725"/>
-            <a:ext cx="455579" cy="369332"/>
+            <a:off x="5004778" y="2892278"/>
+            <a:ext cx="384345" cy="369332"/>
           </a:xfrm>
           <a:prstGeom prst="rect">
             <a:avLst/>
@@ -3864,67 +4071,16 @@
                 <a:ea typeface="Times" charset="0"/>
                 <a:cs typeface="Times" charset="0"/>
               </a:rPr>
-              <a:t>l</a:t>
-            </a:r>
-            <a:r>
-              <a:rPr lang="en-US" sz="1800" i="1" baseline="-25000" dirty="0" smtClean="0">
+              <a:t>p</a:t>
+            </a:r>
+            <a:r>
+              <a:rPr lang="en-US" sz="1800" i="1" baseline="-25000" dirty="0">
                 <a:latin typeface="Times" charset="0"/>
                 <a:ea typeface="Times" charset="0"/>
                 <a:cs typeface="Times" charset="0"/>
               </a:rPr>
-              <a:t>i</a:t>
-            </a:r>
-            <a:endParaRPr lang="en-US" sz="1800" i="1" dirty="0">
-              <a:latin typeface="Times" charset="0"/>
-              <a:ea typeface="Times" charset="0"/>
-              <a:cs typeface="Times" charset="0"/>
-            </a:endParaRPr>
-          </a:p>
-        </p:txBody>
-      </p:sp>
-      <p:sp>
-        <p:nvSpPr>
-          <p:cNvPr id="143" name="TextBox 142"/>
-          <p:cNvSpPr txBox="1"/>
-          <p:nvPr/>
-        </p:nvSpPr>
-        <p:spPr>
-          <a:xfrm>
-            <a:off x="2399845" y="3592028"/>
-            <a:ext cx="642092" cy="369332"/>
-          </a:xfrm>
-          <a:prstGeom prst="rect">
-            <a:avLst/>
-          </a:prstGeom>
-          <a:noFill/>
-        </p:spPr>
-        <p:txBody>
-          <a:bodyPr wrap="square" rtlCol="0">
-            <a:spAutoFit/>
-          </a:bodyPr>
-          <a:lstStyle/>
-          <a:p>
-            <a:r>
-              <a:rPr lang="en-US" sz="1800" i="1" dirty="0">
-                <a:latin typeface="Times" charset="0"/>
-                <a:ea typeface="Times" charset="0"/>
-                <a:cs typeface="Times" charset="0"/>
-              </a:rPr>
-              <a:t>l</a:t>
-            </a:r>
-            <a:r>
-              <a:rPr lang="en-US" sz="1800" i="1" baseline="-25000" dirty="0" smtClean="0">
-                <a:latin typeface="Times" charset="0"/>
-                <a:ea typeface="Times" charset="0"/>
-                <a:cs typeface="Times" charset="0"/>
-              </a:rPr>
-              <a:t>i+1</a:t>
-            </a:r>
-            <a:endParaRPr lang="en-US" sz="1800" i="1" dirty="0">
-              <a:latin typeface="Times" charset="0"/>
-              <a:ea typeface="Times" charset="0"/>
-              <a:cs typeface="Times" charset="0"/>
-            </a:endParaRPr>
+              <a:t>1</a:t>
+            </a:r>
           </a:p>
         </p:txBody>
       </p:sp>

--- a/journalWallFriction/pictures/pdf/anypolygon1.pptx
+++ b/journalWallFriction/pictures/pdf/anypolygon1.pptx
@@ -4084,6 +4084,110 @@
           </a:p>
         </p:txBody>
       </p:sp>
+      <p:sp>
+        <p:nvSpPr>
+          <p:cNvPr id="37" name="Oval 36">
+            <a:extLst>
+              <a:ext uri="{FF2B5EF4-FFF2-40B4-BE49-F238E27FC236}">
+                <a16:creationId xmlns:a16="http://schemas.microsoft.com/office/drawing/2014/main" id="{3A533674-6255-1147-ABF3-8126A352B5FA}"/>
+              </a:ext>
+            </a:extLst>
+          </p:cNvPr>
+          <p:cNvSpPr/>
+          <p:nvPr/>
+        </p:nvSpPr>
+        <p:spPr>
+          <a:xfrm>
+            <a:off x="2442164" y="778582"/>
+            <a:ext cx="45719" cy="45719"/>
+          </a:xfrm>
+          <a:prstGeom prst="ellipse">
+            <a:avLst/>
+          </a:prstGeom>
+          <a:solidFill>
+            <a:schemeClr val="tx1"/>
+          </a:solidFill>
+          <a:ln>
+            <a:noFill/>
+          </a:ln>
+        </p:spPr>
+        <p:style>
+          <a:lnRef idx="2">
+            <a:schemeClr val="accent1">
+              <a:shade val="50000"/>
+            </a:schemeClr>
+          </a:lnRef>
+          <a:fillRef idx="1">
+            <a:schemeClr val="accent1"/>
+          </a:fillRef>
+          <a:effectRef idx="0">
+            <a:schemeClr val="accent1"/>
+          </a:effectRef>
+          <a:fontRef idx="minor">
+            <a:schemeClr val="lt1"/>
+          </a:fontRef>
+        </p:style>
+        <p:txBody>
+          <a:bodyPr rtlCol="0" anchor="ctr"/>
+          <a:lstStyle/>
+          <a:p>
+            <a:pPr algn="ctr"/>
+            <a:endParaRPr lang="en-US"/>
+          </a:p>
+        </p:txBody>
+      </p:sp>
+      <p:sp>
+        <p:nvSpPr>
+          <p:cNvPr id="38" name="Oval 37">
+            <a:extLst>
+              <a:ext uri="{FF2B5EF4-FFF2-40B4-BE49-F238E27FC236}">
+                <a16:creationId xmlns:a16="http://schemas.microsoft.com/office/drawing/2014/main" id="{86112758-A81E-E745-8918-E9AE344075AF}"/>
+              </a:ext>
+            </a:extLst>
+          </p:cNvPr>
+          <p:cNvSpPr/>
+          <p:nvPr/>
+        </p:nvSpPr>
+        <p:spPr>
+          <a:xfrm>
+            <a:off x="2337955" y="3934047"/>
+            <a:ext cx="45719" cy="45719"/>
+          </a:xfrm>
+          <a:prstGeom prst="ellipse">
+            <a:avLst/>
+          </a:prstGeom>
+          <a:solidFill>
+            <a:schemeClr val="tx1"/>
+          </a:solidFill>
+          <a:ln>
+            <a:noFill/>
+          </a:ln>
+        </p:spPr>
+        <p:style>
+          <a:lnRef idx="2">
+            <a:schemeClr val="accent1">
+              <a:shade val="50000"/>
+            </a:schemeClr>
+          </a:lnRef>
+          <a:fillRef idx="1">
+            <a:schemeClr val="accent1"/>
+          </a:fillRef>
+          <a:effectRef idx="0">
+            <a:schemeClr val="accent1"/>
+          </a:effectRef>
+          <a:fontRef idx="minor">
+            <a:schemeClr val="lt1"/>
+          </a:fontRef>
+        </p:style>
+        <p:txBody>
+          <a:bodyPr rtlCol="0" anchor="ctr"/>
+          <a:lstStyle/>
+          <a:p>
+            <a:pPr algn="ctr"/>
+            <a:endParaRPr lang="en-US"/>
+          </a:p>
+        </p:txBody>
+      </p:sp>
     </p:spTree>
     <p:extLst>
       <p:ext uri="{BB962C8B-B14F-4D97-AF65-F5344CB8AC3E}">
